--- a/doc/Schema-delegation.pptx
+++ b/doc/Schema-delegation.pptx
@@ -5109,6 +5109,9 @@
               </a:avLst>
             </a:prstGeom>
             <a:ln>
+              <a:solidFill>
+                <a:schemeClr val="accent4"/>
+              </a:solidFill>
               <a:tailEnd type="triangle"/>
             </a:ln>
           </p:spPr>
